--- a/paper/figures/FigVar/FigVar.pptx
+++ b/paper/figures/FigVar/FigVar.pptx
@@ -288,7 +288,7 @@
           <a:p>
             <a:fld id="{5971C411-267B-40AD-A3ED-8ADF2E1C0D2E}" type="datetimeFigureOut">
               <a:rPr lang="zh-CN" altLang="en-US" smtClean="0"/>
-              <a:t>2017/7/24</a:t>
+              <a:t>2017/8/10</a:t>
             </a:fld>
             <a:endParaRPr lang="zh-CN" altLang="en-US"/>
           </a:p>
@@ -458,7 +458,7 @@
           <a:p>
             <a:fld id="{5971C411-267B-40AD-A3ED-8ADF2E1C0D2E}" type="datetimeFigureOut">
               <a:rPr lang="zh-CN" altLang="en-US" smtClean="0"/>
-              <a:t>2017/7/25</a:t>
+              <a:t>2017/8/10</a:t>
             </a:fld>
             <a:endParaRPr lang="zh-CN" altLang="en-US"/>
           </a:p>
@@ -638,7 +638,7 @@
           <a:p>
             <a:fld id="{5971C411-267B-40AD-A3ED-8ADF2E1C0D2E}" type="datetimeFigureOut">
               <a:rPr lang="zh-CN" altLang="en-US" smtClean="0"/>
-              <a:t>2017/7/25</a:t>
+              <a:t>2017/8/10</a:t>
             </a:fld>
             <a:endParaRPr lang="zh-CN" altLang="en-US"/>
           </a:p>
@@ -808,7 +808,7 @@
           <a:p>
             <a:fld id="{5971C411-267B-40AD-A3ED-8ADF2E1C0D2E}" type="datetimeFigureOut">
               <a:rPr lang="zh-CN" altLang="en-US" smtClean="0"/>
-              <a:t>2017/7/25</a:t>
+              <a:t>2017/8/10</a:t>
             </a:fld>
             <a:endParaRPr lang="zh-CN" altLang="en-US"/>
           </a:p>
@@ -1054,7 +1054,7 @@
           <a:p>
             <a:fld id="{5971C411-267B-40AD-A3ED-8ADF2E1C0D2E}" type="datetimeFigureOut">
               <a:rPr lang="zh-CN" altLang="en-US" smtClean="0"/>
-              <a:t>2017/7/25</a:t>
+              <a:t>2017/8/10</a:t>
             </a:fld>
             <a:endParaRPr lang="zh-CN" altLang="en-US"/>
           </a:p>
@@ -1342,7 +1342,7 @@
           <a:p>
             <a:fld id="{5971C411-267B-40AD-A3ED-8ADF2E1C0D2E}" type="datetimeFigureOut">
               <a:rPr lang="zh-CN" altLang="en-US" smtClean="0"/>
-              <a:t>2017/7/25</a:t>
+              <a:t>2017/8/10</a:t>
             </a:fld>
             <a:endParaRPr lang="zh-CN" altLang="en-US"/>
           </a:p>
@@ -1764,7 +1764,7 @@
           <a:p>
             <a:fld id="{5971C411-267B-40AD-A3ED-8ADF2E1C0D2E}" type="datetimeFigureOut">
               <a:rPr lang="zh-CN" altLang="en-US" smtClean="0"/>
-              <a:t>2017/7/25</a:t>
+              <a:t>2017/8/10</a:t>
             </a:fld>
             <a:endParaRPr lang="zh-CN" altLang="en-US"/>
           </a:p>
@@ -1882,7 +1882,7 @@
           <a:p>
             <a:fld id="{5971C411-267B-40AD-A3ED-8ADF2E1C0D2E}" type="datetimeFigureOut">
               <a:rPr lang="zh-CN" altLang="en-US" smtClean="0"/>
-              <a:t>2017/7/25</a:t>
+              <a:t>2017/8/10</a:t>
             </a:fld>
             <a:endParaRPr lang="zh-CN" altLang="en-US"/>
           </a:p>
@@ -1977,7 +1977,7 @@
           <a:p>
             <a:fld id="{5971C411-267B-40AD-A3ED-8ADF2E1C0D2E}" type="datetimeFigureOut">
               <a:rPr lang="zh-CN" altLang="en-US" smtClean="0"/>
-              <a:t>2017/7/25</a:t>
+              <a:t>2017/8/10</a:t>
             </a:fld>
             <a:endParaRPr lang="zh-CN" altLang="en-US"/>
           </a:p>
@@ -2254,7 +2254,7 @@
           <a:p>
             <a:fld id="{5971C411-267B-40AD-A3ED-8ADF2E1C0D2E}" type="datetimeFigureOut">
               <a:rPr lang="zh-CN" altLang="en-US" smtClean="0"/>
-              <a:t>2017/7/25</a:t>
+              <a:t>2017/8/10</a:t>
             </a:fld>
             <a:endParaRPr lang="zh-CN" altLang="en-US"/>
           </a:p>
@@ -2507,7 +2507,7 @@
           <a:p>
             <a:fld id="{5971C411-267B-40AD-A3ED-8ADF2E1C0D2E}" type="datetimeFigureOut">
               <a:rPr lang="zh-CN" altLang="en-US" smtClean="0"/>
-              <a:t>2017/7/25</a:t>
+              <a:t>2017/8/10</a:t>
             </a:fld>
             <a:endParaRPr lang="zh-CN" altLang="en-US"/>
           </a:p>
@@ -2720,7 +2720,7 @@
           <a:p>
             <a:fld id="{5971C411-267B-40AD-A3ED-8ADF2E1C0D2E}" type="datetimeFigureOut">
               <a:rPr lang="zh-CN" altLang="en-US" smtClean="0"/>
-              <a:t>2017/7/24</a:t>
+              <a:t>2017/8/10</a:t>
             </a:fld>
             <a:endParaRPr lang="zh-CN" altLang="en-US"/>
           </a:p>
@@ -3095,9 +3095,69 @@
           <a:chExt cx="0" cy="0"/>
         </a:xfrm>
       </p:grpSpPr>
+      <p:sp>
+        <p:nvSpPr>
+          <p:cNvPr id="4" name="TextBox 3"/>
+          <p:cNvSpPr txBox="1"/>
+          <p:nvPr/>
+        </p:nvSpPr>
+        <p:spPr>
+          <a:xfrm>
+            <a:off x="2483768" y="3882534"/>
+            <a:ext cx="576064" cy="338554"/>
+          </a:xfrm>
+          <a:prstGeom prst="rect">
+            <a:avLst/>
+          </a:prstGeom>
+          <a:noFill/>
+        </p:spPr>
+        <p:txBody>
+          <a:bodyPr wrap="square" rtlCol="0">
+            <a:spAutoFit/>
+          </a:bodyPr>
+          <a:lstStyle/>
+          <a:p>
+            <a:r>
+              <a:rPr lang="en-US" altLang="zh-CN" sz="1600" dirty="0" smtClean="0"/>
+              <a:t>(a)</a:t>
+            </a:r>
+            <a:endParaRPr lang="zh-CN" altLang="en-US" sz="1600" dirty="0"/>
+          </a:p>
+        </p:txBody>
+      </p:sp>
+      <p:sp>
+        <p:nvSpPr>
+          <p:cNvPr id="7" name="TextBox 6"/>
+          <p:cNvSpPr txBox="1"/>
+          <p:nvPr/>
+        </p:nvSpPr>
+        <p:spPr>
+          <a:xfrm>
+            <a:off x="5940152" y="3882534"/>
+            <a:ext cx="576064" cy="338554"/>
+          </a:xfrm>
+          <a:prstGeom prst="rect">
+            <a:avLst/>
+          </a:prstGeom>
+          <a:noFill/>
+        </p:spPr>
+        <p:txBody>
+          <a:bodyPr wrap="square" rtlCol="0">
+            <a:spAutoFit/>
+          </a:bodyPr>
+          <a:lstStyle/>
+          <a:p>
+            <a:r>
+              <a:rPr lang="en-US" altLang="zh-CN" sz="1600" dirty="0" smtClean="0"/>
+              <a:t>(b)</a:t>
+            </a:r>
+            <a:endParaRPr lang="zh-CN" altLang="en-US" sz="1600" dirty="0"/>
+          </a:p>
+        </p:txBody>
+      </p:sp>
       <p:pic>
         <p:nvPicPr>
-          <p:cNvPr id="1026" name="Picture 2"/>
+          <p:cNvPr id="2" name="Picture 2"/>
           <p:cNvPicPr>
             <a:picLocks noChangeAspect="1" noChangeArrowheads="1"/>
           </p:cNvPicPr>
@@ -3118,8 +3178,8 @@
         </p:blipFill>
         <p:spPr bwMode="auto">
           <a:xfrm>
-            <a:off x="827584" y="1340768"/>
-            <a:ext cx="3262930" cy="2592288"/>
+            <a:off x="957058" y="1052736"/>
+            <a:ext cx="3313177" cy="2808312"/>
           </a:xfrm>
           <a:prstGeom prst="rect">
             <a:avLst/>
@@ -3149,9 +3209,57 @@
           </a:extLst>
         </p:spPr>
       </p:pic>
+      <p:sp>
+        <p:nvSpPr>
+          <p:cNvPr id="3" name="矩形 2"/>
+          <p:cNvSpPr/>
+          <p:nvPr/>
+        </p:nvSpPr>
+        <p:spPr>
+          <a:xfrm>
+            <a:off x="2483768" y="3789040"/>
+            <a:ext cx="175597" cy="144016"/>
+          </a:xfrm>
+          <a:prstGeom prst="rect">
+            <a:avLst/>
+          </a:prstGeom>
+          <a:solidFill>
+            <a:schemeClr val="bg1"/>
+          </a:solidFill>
+          <a:ln>
+            <a:solidFill>
+              <a:schemeClr val="bg1"/>
+            </a:solidFill>
+          </a:ln>
+        </p:spPr>
+        <p:style>
+          <a:lnRef idx="2">
+            <a:schemeClr val="accent1">
+              <a:shade val="50000"/>
+            </a:schemeClr>
+          </a:lnRef>
+          <a:fillRef idx="1">
+            <a:schemeClr val="accent1"/>
+          </a:fillRef>
+          <a:effectRef idx="0">
+            <a:schemeClr val="accent1"/>
+          </a:effectRef>
+          <a:fontRef idx="minor">
+            <a:schemeClr val="lt1"/>
+          </a:fontRef>
+        </p:style>
+        <p:txBody>
+          <a:bodyPr rtlCol="0" anchor="ctr"/>
+          <a:lstStyle/>
+          <a:p>
+            <a:pPr algn="ctr"/>
+            <a:endParaRPr lang="zh-CN" altLang="en-US" sz="2000"/>
+          </a:p>
+        </p:txBody>
+      </p:sp>
       <p:pic>
         <p:nvPicPr>
-          <p:cNvPr id="1027" name="Picture 3"/>
+          <p:cNvPr id="1028" name="Picture 4"/>
           <p:cNvPicPr>
             <a:picLocks noChangeAspect="1" noChangeArrowheads="1"/>
           </p:cNvPicPr>
@@ -3172,8 +3280,8 @@
         </p:blipFill>
         <p:spPr bwMode="auto">
           <a:xfrm>
-            <a:off x="4644008" y="1340769"/>
-            <a:ext cx="3352861" cy="2592288"/>
+            <a:off x="4393698" y="1052736"/>
+            <a:ext cx="3202638" cy="2808000"/>
           </a:xfrm>
           <a:prstGeom prst="rect">
             <a:avLst/>
@@ -3205,61 +3313,49 @@
       </p:pic>
       <p:sp>
         <p:nvSpPr>
-          <p:cNvPr id="4" name="TextBox 3"/>
-          <p:cNvSpPr txBox="1"/>
+          <p:cNvPr id="10" name="矩形 9"/>
+          <p:cNvSpPr/>
           <p:nvPr/>
         </p:nvSpPr>
         <p:spPr>
           <a:xfrm>
-            <a:off x="2339752" y="3933056"/>
-            <a:ext cx="576064" cy="369332"/>
+            <a:off x="5907218" y="3717032"/>
+            <a:ext cx="175597" cy="144016"/>
           </a:xfrm>
           <a:prstGeom prst="rect">
             <a:avLst/>
           </a:prstGeom>
-          <a:noFill/>
+          <a:solidFill>
+            <a:schemeClr val="bg1"/>
+          </a:solidFill>
+          <a:ln>
+            <a:solidFill>
+              <a:schemeClr val="bg1"/>
+            </a:solidFill>
+          </a:ln>
         </p:spPr>
-        <p:txBody>
-          <a:bodyPr wrap="square" rtlCol="0">
-            <a:spAutoFit/>
-          </a:bodyPr>
-          <a:lstStyle/>
-          <a:p>
-            <a:r>
-              <a:rPr lang="en-US" altLang="zh-CN" dirty="0" smtClean="0"/>
-              <a:t>(a)</a:t>
-            </a:r>
-            <a:endParaRPr lang="zh-CN" altLang="en-US" dirty="0"/>
-          </a:p>
-        </p:txBody>
-      </p:sp>
-      <p:sp>
-        <p:nvSpPr>
-          <p:cNvPr id="7" name="TextBox 6"/>
-          <p:cNvSpPr txBox="1"/>
-          <p:nvPr/>
-        </p:nvSpPr>
-        <p:spPr>
-          <a:xfrm>
-            <a:off x="6228184" y="3933056"/>
-            <a:ext cx="576064" cy="369332"/>
-          </a:xfrm>
-          <a:prstGeom prst="rect">
-            <a:avLst/>
-          </a:prstGeom>
-          <a:noFill/>
-        </p:spPr>
-        <p:txBody>
-          <a:bodyPr wrap="square" rtlCol="0">
-            <a:spAutoFit/>
-          </a:bodyPr>
-          <a:lstStyle/>
-          <a:p>
-            <a:r>
-              <a:rPr lang="en-US" altLang="zh-CN" dirty="0" smtClean="0"/>
-              <a:t>(b)</a:t>
-            </a:r>
-            <a:endParaRPr lang="zh-CN" altLang="en-US" dirty="0"/>
+        <p:style>
+          <a:lnRef idx="2">
+            <a:schemeClr val="accent1">
+              <a:shade val="50000"/>
+            </a:schemeClr>
+          </a:lnRef>
+          <a:fillRef idx="1">
+            <a:schemeClr val="accent1"/>
+          </a:fillRef>
+          <a:effectRef idx="0">
+            <a:schemeClr val="accent1"/>
+          </a:effectRef>
+          <a:fontRef idx="minor">
+            <a:schemeClr val="lt1"/>
+          </a:fontRef>
+        </p:style>
+        <p:txBody>
+          <a:bodyPr rtlCol="0" anchor="ctr"/>
+          <a:lstStyle/>
+          <a:p>
+            <a:pPr algn="ctr"/>
+            <a:endParaRPr lang="zh-CN" altLang="en-US" sz="2000"/>
           </a:p>
         </p:txBody>
       </p:sp>

--- a/paper/figures/FigVar/FigVar.pptx
+++ b/paper/figures/FigVar/FigVar.pptx
@@ -288,7 +288,7 @@
           <a:p>
             <a:fld id="{5971C411-267B-40AD-A3ED-8ADF2E1C0D2E}" type="datetimeFigureOut">
               <a:rPr lang="zh-CN" altLang="en-US" smtClean="0"/>
-              <a:t>2017/8/10</a:t>
+              <a:t>2017/9/4</a:t>
             </a:fld>
             <a:endParaRPr lang="zh-CN" altLang="en-US"/>
           </a:p>
@@ -458,7 +458,7 @@
           <a:p>
             <a:fld id="{5971C411-267B-40AD-A3ED-8ADF2E1C0D2E}" type="datetimeFigureOut">
               <a:rPr lang="zh-CN" altLang="en-US" smtClean="0"/>
-              <a:t>2017/8/10</a:t>
+              <a:t>2017/9/4</a:t>
             </a:fld>
             <a:endParaRPr lang="zh-CN" altLang="en-US"/>
           </a:p>
@@ -638,7 +638,7 @@
           <a:p>
             <a:fld id="{5971C411-267B-40AD-A3ED-8ADF2E1C0D2E}" type="datetimeFigureOut">
               <a:rPr lang="zh-CN" altLang="en-US" smtClean="0"/>
-              <a:t>2017/8/10</a:t>
+              <a:t>2017/9/4</a:t>
             </a:fld>
             <a:endParaRPr lang="zh-CN" altLang="en-US"/>
           </a:p>
@@ -808,7 +808,7 @@
           <a:p>
             <a:fld id="{5971C411-267B-40AD-A3ED-8ADF2E1C0D2E}" type="datetimeFigureOut">
               <a:rPr lang="zh-CN" altLang="en-US" smtClean="0"/>
-              <a:t>2017/8/10</a:t>
+              <a:t>2017/9/4</a:t>
             </a:fld>
             <a:endParaRPr lang="zh-CN" altLang="en-US"/>
           </a:p>
@@ -1054,7 +1054,7 @@
           <a:p>
             <a:fld id="{5971C411-267B-40AD-A3ED-8ADF2E1C0D2E}" type="datetimeFigureOut">
               <a:rPr lang="zh-CN" altLang="en-US" smtClean="0"/>
-              <a:t>2017/8/10</a:t>
+              <a:t>2017/9/4</a:t>
             </a:fld>
             <a:endParaRPr lang="zh-CN" altLang="en-US"/>
           </a:p>
@@ -1342,7 +1342,7 @@
           <a:p>
             <a:fld id="{5971C411-267B-40AD-A3ED-8ADF2E1C0D2E}" type="datetimeFigureOut">
               <a:rPr lang="zh-CN" altLang="en-US" smtClean="0"/>
-              <a:t>2017/8/10</a:t>
+              <a:t>2017/9/4</a:t>
             </a:fld>
             <a:endParaRPr lang="zh-CN" altLang="en-US"/>
           </a:p>
@@ -1764,7 +1764,7 @@
           <a:p>
             <a:fld id="{5971C411-267B-40AD-A3ED-8ADF2E1C0D2E}" type="datetimeFigureOut">
               <a:rPr lang="zh-CN" altLang="en-US" smtClean="0"/>
-              <a:t>2017/8/10</a:t>
+              <a:t>2017/9/4</a:t>
             </a:fld>
             <a:endParaRPr lang="zh-CN" altLang="en-US"/>
           </a:p>
@@ -1882,7 +1882,7 @@
           <a:p>
             <a:fld id="{5971C411-267B-40AD-A3ED-8ADF2E1C0D2E}" type="datetimeFigureOut">
               <a:rPr lang="zh-CN" altLang="en-US" smtClean="0"/>
-              <a:t>2017/8/10</a:t>
+              <a:t>2017/9/4</a:t>
             </a:fld>
             <a:endParaRPr lang="zh-CN" altLang="en-US"/>
           </a:p>
@@ -1977,7 +1977,7 @@
           <a:p>
             <a:fld id="{5971C411-267B-40AD-A3ED-8ADF2E1C0D2E}" type="datetimeFigureOut">
               <a:rPr lang="zh-CN" altLang="en-US" smtClean="0"/>
-              <a:t>2017/8/10</a:t>
+              <a:t>2017/9/4</a:t>
             </a:fld>
             <a:endParaRPr lang="zh-CN" altLang="en-US"/>
           </a:p>
@@ -2254,7 +2254,7 @@
           <a:p>
             <a:fld id="{5971C411-267B-40AD-A3ED-8ADF2E1C0D2E}" type="datetimeFigureOut">
               <a:rPr lang="zh-CN" altLang="en-US" smtClean="0"/>
-              <a:t>2017/8/10</a:t>
+              <a:t>2017/9/4</a:t>
             </a:fld>
             <a:endParaRPr lang="zh-CN" altLang="en-US"/>
           </a:p>
@@ -2507,7 +2507,7 @@
           <a:p>
             <a:fld id="{5971C411-267B-40AD-A3ED-8ADF2E1C0D2E}" type="datetimeFigureOut">
               <a:rPr lang="zh-CN" altLang="en-US" smtClean="0"/>
-              <a:t>2017/8/10</a:t>
+              <a:t>2017/9/4</a:t>
             </a:fld>
             <a:endParaRPr lang="zh-CN" altLang="en-US"/>
           </a:p>
@@ -2720,7 +2720,7 @@
           <a:p>
             <a:fld id="{5971C411-267B-40AD-A3ED-8ADF2E1C0D2E}" type="datetimeFigureOut">
               <a:rPr lang="zh-CN" altLang="en-US" smtClean="0"/>
-              <a:t>2017/8/10</a:t>
+              <a:t>2017/9/4</a:t>
             </a:fld>
             <a:endParaRPr lang="zh-CN" altLang="en-US"/>
           </a:p>
@@ -3103,8 +3103,8 @@
         </p:nvSpPr>
         <p:spPr>
           <a:xfrm>
-            <a:off x="2483768" y="3882534"/>
-            <a:ext cx="576064" cy="338554"/>
+            <a:off x="2627784" y="4325034"/>
+            <a:ext cx="576064" cy="400110"/>
           </a:xfrm>
           <a:prstGeom prst="rect">
             <a:avLst/>
@@ -3118,97 +3118,13 @@
           <a:lstStyle/>
           <a:p>
             <a:r>
-              <a:rPr lang="en-US" altLang="zh-CN" sz="1600" dirty="0" smtClean="0"/>
+              <a:rPr lang="en-US" altLang="zh-CN" sz="2000" dirty="0" smtClean="0"/>
               <a:t>(a)</a:t>
             </a:r>
-            <a:endParaRPr lang="zh-CN" altLang="en-US" sz="1600" dirty="0"/>
-          </a:p>
-        </p:txBody>
-      </p:sp>
-      <p:sp>
-        <p:nvSpPr>
-          <p:cNvPr id="7" name="TextBox 6"/>
-          <p:cNvSpPr txBox="1"/>
-          <p:nvPr/>
-        </p:nvSpPr>
-        <p:spPr>
-          <a:xfrm>
-            <a:off x="5940152" y="3882534"/>
-            <a:ext cx="576064" cy="338554"/>
-          </a:xfrm>
-          <a:prstGeom prst="rect">
-            <a:avLst/>
-          </a:prstGeom>
-          <a:noFill/>
-        </p:spPr>
-        <p:txBody>
-          <a:bodyPr wrap="square" rtlCol="0">
-            <a:spAutoFit/>
-          </a:bodyPr>
-          <a:lstStyle/>
-          <a:p>
-            <a:r>
-              <a:rPr lang="en-US" altLang="zh-CN" sz="1600" dirty="0" smtClean="0"/>
-              <a:t>(b)</a:t>
-            </a:r>
-            <a:endParaRPr lang="zh-CN" altLang="en-US" sz="1600" dirty="0"/>
-          </a:p>
-        </p:txBody>
-      </p:sp>
-      <p:pic>
-        <p:nvPicPr>
-          <p:cNvPr id="2" name="Picture 2"/>
-          <p:cNvPicPr>
-            <a:picLocks noChangeAspect="1" noChangeArrowheads="1"/>
-          </p:cNvPicPr>
-          <p:nvPr/>
-        </p:nvPicPr>
-        <p:blipFill>
-          <a:blip r:embed="rId2">
-            <a:extLst>
-              <a:ext uri="{28A0092B-C50C-407E-A947-70E740481C1C}">
-                <a14:useLocalDpi xmlns:a14="http://schemas.microsoft.com/office/drawing/2010/main" val="0"/>
-              </a:ext>
-            </a:extLst>
-          </a:blip>
-          <a:srcRect/>
-          <a:stretch>
-            <a:fillRect/>
-          </a:stretch>
-        </p:blipFill>
-        <p:spPr bwMode="auto">
-          <a:xfrm>
-            <a:off x="957058" y="1052736"/>
-            <a:ext cx="3313177" cy="2808312"/>
-          </a:xfrm>
-          <a:prstGeom prst="rect">
-            <a:avLst/>
-          </a:prstGeom>
-          <a:noFill/>
-          <a:ln>
-            <a:noFill/>
-          </a:ln>
-          <a:extLst>
-            <a:ext uri="{909E8E84-426E-40DD-AFC4-6F175D3DCCD1}">
-              <a14:hiddenFill xmlns:a14="http://schemas.microsoft.com/office/drawing/2010/main">
-                <a:solidFill>
-                  <a:schemeClr val="accent1"/>
-                </a:solidFill>
-              </a14:hiddenFill>
-            </a:ext>
-            <a:ext uri="{91240B29-F687-4F45-9708-019B960494DF}">
-              <a14:hiddenLine xmlns:a14="http://schemas.microsoft.com/office/drawing/2010/main" w="9525">
-                <a:solidFill>
-                  <a:schemeClr val="tx1"/>
-                </a:solidFill>
-                <a:miter lim="800000"/>
-                <a:headEnd/>
-                <a:tailEnd/>
-              </a14:hiddenLine>
-            </a:ext>
-          </a:extLst>
-        </p:spPr>
-      </p:pic>
+            <a:endParaRPr lang="zh-CN" altLang="en-US" sz="2000" dirty="0"/>
+          </a:p>
+        </p:txBody>
+      </p:sp>
       <p:sp>
         <p:nvSpPr>
           <p:cNvPr id="3" name="矩形 2"/>
@@ -3257,60 +3173,6 @@
           </a:p>
         </p:txBody>
       </p:sp>
-      <p:pic>
-        <p:nvPicPr>
-          <p:cNvPr id="1028" name="Picture 4"/>
-          <p:cNvPicPr>
-            <a:picLocks noChangeAspect="1" noChangeArrowheads="1"/>
-          </p:cNvPicPr>
-          <p:nvPr/>
-        </p:nvPicPr>
-        <p:blipFill>
-          <a:blip r:embed="rId3">
-            <a:extLst>
-              <a:ext uri="{28A0092B-C50C-407E-A947-70E740481C1C}">
-                <a14:useLocalDpi xmlns:a14="http://schemas.microsoft.com/office/drawing/2010/main" val="0"/>
-              </a:ext>
-            </a:extLst>
-          </a:blip>
-          <a:srcRect/>
-          <a:stretch>
-            <a:fillRect/>
-          </a:stretch>
-        </p:blipFill>
-        <p:spPr bwMode="auto">
-          <a:xfrm>
-            <a:off x="4393698" y="1052736"/>
-            <a:ext cx="3202638" cy="2808000"/>
-          </a:xfrm>
-          <a:prstGeom prst="rect">
-            <a:avLst/>
-          </a:prstGeom>
-          <a:noFill/>
-          <a:ln>
-            <a:noFill/>
-          </a:ln>
-          <a:extLst>
-            <a:ext uri="{909E8E84-426E-40DD-AFC4-6F175D3DCCD1}">
-              <a14:hiddenFill xmlns:a14="http://schemas.microsoft.com/office/drawing/2010/main">
-                <a:solidFill>
-                  <a:schemeClr val="accent1"/>
-                </a:solidFill>
-              </a14:hiddenFill>
-            </a:ext>
-            <a:ext uri="{91240B29-F687-4F45-9708-019B960494DF}">
-              <a14:hiddenLine xmlns:a14="http://schemas.microsoft.com/office/drawing/2010/main" w="9525">
-                <a:solidFill>
-                  <a:schemeClr val="tx1"/>
-                </a:solidFill>
-                <a:miter lim="800000"/>
-                <a:headEnd/>
-                <a:tailEnd/>
-              </a14:hiddenLine>
-            </a:ext>
-          </a:extLst>
-        </p:spPr>
-      </p:pic>
       <p:sp>
         <p:nvSpPr>
           <p:cNvPr id="10" name="矩形 9"/>
@@ -3359,6 +3221,144 @@
           </a:p>
         </p:txBody>
       </p:sp>
+      <p:sp>
+        <p:nvSpPr>
+          <p:cNvPr id="15" name="TextBox 14"/>
+          <p:cNvSpPr txBox="1"/>
+          <p:nvPr/>
+        </p:nvSpPr>
+        <p:spPr>
+          <a:xfrm>
+            <a:off x="6588224" y="4325034"/>
+            <a:ext cx="576064" cy="400110"/>
+          </a:xfrm>
+          <a:prstGeom prst="rect">
+            <a:avLst/>
+          </a:prstGeom>
+          <a:noFill/>
+        </p:spPr>
+        <p:txBody>
+          <a:bodyPr wrap="square" rtlCol="0">
+            <a:spAutoFit/>
+          </a:bodyPr>
+          <a:lstStyle/>
+          <a:p>
+            <a:r>
+              <a:rPr lang="en-US" altLang="zh-CN" sz="2000" dirty="0" smtClean="0"/>
+              <a:t>(b)</a:t>
+            </a:r>
+            <a:endParaRPr lang="zh-CN" altLang="en-US" sz="2000" dirty="0"/>
+          </a:p>
+        </p:txBody>
+      </p:sp>
+      <p:pic>
+        <p:nvPicPr>
+          <p:cNvPr id="1033" name="Picture 9"/>
+          <p:cNvPicPr>
+            <a:picLocks noChangeAspect="1" noChangeArrowheads="1"/>
+          </p:cNvPicPr>
+          <p:nvPr/>
+        </p:nvPicPr>
+        <p:blipFill>
+          <a:blip r:embed="rId2">
+            <a:extLst>
+              <a:ext uri="{28A0092B-C50C-407E-A947-70E740481C1C}">
+                <a14:useLocalDpi xmlns:a14="http://schemas.microsoft.com/office/drawing/2010/main" val="0"/>
+              </a:ext>
+            </a:extLst>
+          </a:blip>
+          <a:srcRect/>
+          <a:stretch>
+            <a:fillRect/>
+          </a:stretch>
+        </p:blipFill>
+        <p:spPr bwMode="auto">
+          <a:xfrm>
+            <a:off x="683568" y="725034"/>
+            <a:ext cx="3946667" cy="3600000"/>
+          </a:xfrm>
+          <a:prstGeom prst="rect">
+            <a:avLst/>
+          </a:prstGeom>
+          <a:noFill/>
+          <a:ln>
+            <a:noFill/>
+          </a:ln>
+          <a:extLst>
+            <a:ext uri="{909E8E84-426E-40DD-AFC4-6F175D3DCCD1}">
+              <a14:hiddenFill xmlns:a14="http://schemas.microsoft.com/office/drawing/2010/main">
+                <a:solidFill>
+                  <a:schemeClr val="accent1"/>
+                </a:solidFill>
+              </a14:hiddenFill>
+            </a:ext>
+            <a:ext uri="{91240B29-F687-4F45-9708-019B960494DF}">
+              <a14:hiddenLine xmlns:a14="http://schemas.microsoft.com/office/drawing/2010/main" w="9525">
+                <a:solidFill>
+                  <a:schemeClr val="tx1"/>
+                </a:solidFill>
+                <a:miter lim="800000"/>
+                <a:headEnd/>
+                <a:tailEnd/>
+              </a14:hiddenLine>
+            </a:ext>
+          </a:extLst>
+        </p:spPr>
+      </p:pic>
+      <p:pic>
+        <p:nvPicPr>
+          <p:cNvPr id="1034" name="Picture 10"/>
+          <p:cNvPicPr>
+            <a:picLocks noChangeArrowheads="1"/>
+          </p:cNvPicPr>
+          <p:nvPr/>
+        </p:nvPicPr>
+        <p:blipFill>
+          <a:blip r:embed="rId3">
+            <a:extLst>
+              <a:ext uri="{28A0092B-C50C-407E-A947-70E740481C1C}">
+                <a14:useLocalDpi xmlns:a14="http://schemas.microsoft.com/office/drawing/2010/main" val="0"/>
+              </a:ext>
+            </a:extLst>
+          </a:blip>
+          <a:srcRect/>
+          <a:stretch>
+            <a:fillRect/>
+          </a:stretch>
+        </p:blipFill>
+        <p:spPr bwMode="auto">
+          <a:xfrm>
+            <a:off x="4630235" y="725034"/>
+            <a:ext cx="3960000" cy="3600000"/>
+          </a:xfrm>
+          <a:prstGeom prst="rect">
+            <a:avLst/>
+          </a:prstGeom>
+          <a:noFill/>
+          <a:ln>
+            <a:noFill/>
+          </a:ln>
+          <a:extLst>
+            <a:ext uri="{909E8E84-426E-40DD-AFC4-6F175D3DCCD1}">
+              <a14:hiddenFill xmlns:a14="http://schemas.microsoft.com/office/drawing/2010/main">
+                <a:solidFill>
+                  <a:schemeClr val="accent1"/>
+                </a:solidFill>
+              </a14:hiddenFill>
+            </a:ext>
+            <a:ext uri="{91240B29-F687-4F45-9708-019B960494DF}">
+              <a14:hiddenLine xmlns:a14="http://schemas.microsoft.com/office/drawing/2010/main" w="9525">
+                <a:solidFill>
+                  <a:schemeClr val="tx1"/>
+                </a:solidFill>
+                <a:miter lim="800000"/>
+                <a:headEnd/>
+                <a:tailEnd/>
+              </a14:hiddenLine>
+            </a:ext>
+          </a:extLst>
+        </p:spPr>
+      </p:pic>
     </p:spTree>
     <p:extLst>
       <p:ext uri="{BB962C8B-B14F-4D97-AF65-F5344CB8AC3E}">
